--- a/figures/Figure4.pptx
+++ b/figures/Figure4.pptx
@@ -2,12 +2,12 @@
 <file path=ppt/presentation.xml><?xml version="1.0" encoding="utf-8"?>
 <p:presentation xmlns:a="http://schemas.openxmlformats.org/drawingml/2006/main" xmlns:r="http://schemas.openxmlformats.org/officeDocument/2006/relationships" xmlns:p="http://schemas.openxmlformats.org/presentationml/2006/main" saveSubsetFonts="1" autoCompressPictures="0">
   <p:sldMasterIdLst>
-    <p:sldMasterId id="2147483672" r:id="rId1"/>
+    <p:sldMasterId id="2147483816" r:id="rId1"/>
   </p:sldMasterIdLst>
   <p:sldIdLst>
     <p:sldId id="256" r:id="rId2"/>
   </p:sldIdLst>
-  <p:sldSz cx="13320713" cy="10799763"/>
+  <p:sldSz cx="19080163" cy="9720263"/>
   <p:notesSz cx="6858000" cy="9144000"/>
   <p:defaultTextStyle>
     <a:defPPr>
@@ -141,15 +141,15 @@
         </p:nvSpPr>
         <p:spPr>
           <a:xfrm>
-            <a:off x="999054" y="1767462"/>
-            <a:ext cx="11322606" cy="3759917"/>
+            <a:off x="2385021" y="1590794"/>
+            <a:ext cx="14310122" cy="3384092"/>
           </a:xfrm>
         </p:spPr>
         <p:txBody>
           <a:bodyPr anchor="b"/>
           <a:lstStyle>
             <a:lvl1pPr algn="ctr">
-              <a:defRPr sz="8741"/>
+              <a:defRPr sz="8504"/>
             </a:lvl1pPr>
           </a:lstStyle>
           <a:p>
@@ -173,8 +173,8 @@
         </p:nvSpPr>
         <p:spPr>
           <a:xfrm>
-            <a:off x="1665089" y="5672376"/>
-            <a:ext cx="9990535" cy="2607442"/>
+            <a:off x="2385021" y="5105389"/>
+            <a:ext cx="14310122" cy="2346813"/>
           </a:xfrm>
         </p:spPr>
         <p:txBody>
@@ -182,39 +182,39 @@
           <a:lstStyle>
             <a:lvl1pPr marL="0" indent="0" algn="ctr">
               <a:buNone/>
-              <a:defRPr sz="3496"/>
+              <a:defRPr sz="3402"/>
             </a:lvl1pPr>
-            <a:lvl2pPr marL="666049" indent="0" algn="ctr">
-              <a:buNone/>
-              <a:defRPr sz="2914"/>
+            <a:lvl2pPr marL="648035" indent="0" algn="ctr">
+              <a:buNone/>
+              <a:defRPr sz="2835"/>
             </a:lvl2pPr>
-            <a:lvl3pPr marL="1332098" indent="0" algn="ctr">
-              <a:buNone/>
-              <a:defRPr sz="2622"/>
+            <a:lvl3pPr marL="1296071" indent="0" algn="ctr">
+              <a:buNone/>
+              <a:defRPr sz="2551"/>
             </a:lvl3pPr>
-            <a:lvl4pPr marL="1998147" indent="0" algn="ctr">
-              <a:buNone/>
-              <a:defRPr sz="2331"/>
+            <a:lvl4pPr marL="1944106" indent="0" algn="ctr">
+              <a:buNone/>
+              <a:defRPr sz="2268"/>
             </a:lvl4pPr>
-            <a:lvl5pPr marL="2664196" indent="0" algn="ctr">
-              <a:buNone/>
-              <a:defRPr sz="2331"/>
+            <a:lvl5pPr marL="2592141" indent="0" algn="ctr">
+              <a:buNone/>
+              <a:defRPr sz="2268"/>
             </a:lvl5pPr>
-            <a:lvl6pPr marL="3330245" indent="0" algn="ctr">
-              <a:buNone/>
-              <a:defRPr sz="2331"/>
+            <a:lvl6pPr marL="3240176" indent="0" algn="ctr">
+              <a:buNone/>
+              <a:defRPr sz="2268"/>
             </a:lvl6pPr>
-            <a:lvl7pPr marL="3996294" indent="0" algn="ctr">
-              <a:buNone/>
-              <a:defRPr sz="2331"/>
+            <a:lvl7pPr marL="3888212" indent="0" algn="ctr">
+              <a:buNone/>
+              <a:defRPr sz="2268"/>
             </a:lvl7pPr>
-            <a:lvl8pPr marL="4662343" indent="0" algn="ctr">
-              <a:buNone/>
-              <a:defRPr sz="2331"/>
+            <a:lvl8pPr marL="4536247" indent="0" algn="ctr">
+              <a:buNone/>
+              <a:defRPr sz="2268"/>
             </a:lvl8pPr>
-            <a:lvl9pPr marL="5328392" indent="0" algn="ctr">
-              <a:buNone/>
-              <a:defRPr sz="2331"/>
+            <a:lvl9pPr marL="5184282" indent="0" algn="ctr">
+              <a:buNone/>
+              <a:defRPr sz="2268"/>
             </a:lvl9pPr>
           </a:lstStyle>
           <a:p>
@@ -243,7 +243,7 @@
           <a:p>
             <a:fld id="{2F0AC040-D16D-2D41-AA8A-B222EE305357}" type="datetimeFigureOut">
               <a:rPr lang="en-US" smtClean="0"/>
-              <a:t>7/16/25</a:t>
+              <a:t>12/19/25</a:t>
             </a:fld>
             <a:endParaRPr lang="en-US"/>
           </a:p>
@@ -294,7 +294,7 @@
     </p:spTree>
     <p:extLst>
       <p:ext uri="{BB962C8B-B14F-4D97-AF65-F5344CB8AC3E}">
-        <p14:creationId xmlns:p14="http://schemas.microsoft.com/office/powerpoint/2010/main" val="2498079359"/>
+        <p14:creationId xmlns:p14="http://schemas.microsoft.com/office/powerpoint/2010/main" val="3714785274"/>
       </p:ext>
     </p:extLst>
   </p:cSld>
@@ -413,7 +413,7 @@
           <a:p>
             <a:fld id="{2F0AC040-D16D-2D41-AA8A-B222EE305357}" type="datetimeFigureOut">
               <a:rPr lang="en-US" smtClean="0"/>
-              <a:t>7/16/25</a:t>
+              <a:t>12/19/25</a:t>
             </a:fld>
             <a:endParaRPr lang="en-US"/>
           </a:p>
@@ -464,7 +464,7 @@
     </p:spTree>
     <p:extLst>
       <p:ext uri="{BB962C8B-B14F-4D97-AF65-F5344CB8AC3E}">
-        <p14:creationId xmlns:p14="http://schemas.microsoft.com/office/powerpoint/2010/main" val="1297433571"/>
+        <p14:creationId xmlns:p14="http://schemas.microsoft.com/office/powerpoint/2010/main" val="834716339"/>
       </p:ext>
     </p:extLst>
   </p:cSld>
@@ -503,8 +503,8 @@
         </p:nvSpPr>
         <p:spPr>
           <a:xfrm>
-            <a:off x="9532636" y="574987"/>
-            <a:ext cx="2872279" cy="9152300"/>
+            <a:off x="13654242" y="517514"/>
+            <a:ext cx="4114160" cy="8237474"/>
           </a:xfrm>
         </p:spPr>
         <p:txBody>
@@ -531,8 +531,8 @@
         </p:nvSpPr>
         <p:spPr>
           <a:xfrm>
-            <a:off x="915800" y="574987"/>
-            <a:ext cx="8450327" cy="9152300"/>
+            <a:off x="1311761" y="517514"/>
+            <a:ext cx="12103978" cy="8237474"/>
           </a:xfrm>
         </p:spPr>
         <p:txBody>
@@ -593,7 +593,7 @@
           <a:p>
             <a:fld id="{2F0AC040-D16D-2D41-AA8A-B222EE305357}" type="datetimeFigureOut">
               <a:rPr lang="en-US" smtClean="0"/>
-              <a:t>7/16/25</a:t>
+              <a:t>12/19/25</a:t>
             </a:fld>
             <a:endParaRPr lang="en-US"/>
           </a:p>
@@ -644,7 +644,7 @@
     </p:spTree>
     <p:extLst>
       <p:ext uri="{BB962C8B-B14F-4D97-AF65-F5344CB8AC3E}">
-        <p14:creationId xmlns:p14="http://schemas.microsoft.com/office/powerpoint/2010/main" val="762164010"/>
+        <p14:creationId xmlns:p14="http://schemas.microsoft.com/office/powerpoint/2010/main" val="3179274797"/>
       </p:ext>
     </p:extLst>
   </p:cSld>
@@ -763,7 +763,7 @@
           <a:p>
             <a:fld id="{2F0AC040-D16D-2D41-AA8A-B222EE305357}" type="datetimeFigureOut">
               <a:rPr lang="en-US" smtClean="0"/>
-              <a:t>7/16/25</a:t>
+              <a:t>12/19/25</a:t>
             </a:fld>
             <a:endParaRPr lang="en-US"/>
           </a:p>
@@ -814,7 +814,7 @@
     </p:spTree>
     <p:extLst>
       <p:ext uri="{BB962C8B-B14F-4D97-AF65-F5344CB8AC3E}">
-        <p14:creationId xmlns:p14="http://schemas.microsoft.com/office/powerpoint/2010/main" val="1901772274"/>
+        <p14:creationId xmlns:p14="http://schemas.microsoft.com/office/powerpoint/2010/main" val="967335126"/>
       </p:ext>
     </p:extLst>
   </p:cSld>
@@ -853,15 +853,15 @@
         </p:nvSpPr>
         <p:spPr>
           <a:xfrm>
-            <a:off x="908862" y="2692444"/>
-            <a:ext cx="11489115" cy="4492401"/>
+            <a:off x="1301823" y="2423317"/>
+            <a:ext cx="16456641" cy="4043359"/>
           </a:xfrm>
         </p:spPr>
         <p:txBody>
           <a:bodyPr anchor="b"/>
           <a:lstStyle>
             <a:lvl1pPr>
-              <a:defRPr sz="8741"/>
+              <a:defRPr sz="8504"/>
             </a:lvl1pPr>
           </a:lstStyle>
           <a:p>
@@ -885,8 +885,8 @@
         </p:nvSpPr>
         <p:spPr>
           <a:xfrm>
-            <a:off x="908862" y="7227345"/>
-            <a:ext cx="11489115" cy="2362447"/>
+            <a:off x="1301823" y="6504927"/>
+            <a:ext cx="16456641" cy="2126307"/>
           </a:xfrm>
         </p:spPr>
         <p:txBody>
@@ -894,15 +894,17 @@
           <a:lstStyle>
             <a:lvl1pPr marL="0" indent="0">
               <a:buNone/>
-              <a:defRPr sz="3496">
+              <a:defRPr sz="3402">
                 <a:solidFill>
-                  <a:schemeClr val="tx1"/>
+                  <a:schemeClr val="tx1">
+                    <a:tint val="75000"/>
+                  </a:schemeClr>
                 </a:solidFill>
               </a:defRPr>
             </a:lvl1pPr>
-            <a:lvl2pPr marL="666049" indent="0">
-              <a:buNone/>
-              <a:defRPr sz="2914">
+            <a:lvl2pPr marL="648035" indent="0">
+              <a:buNone/>
+              <a:defRPr sz="2835">
                 <a:solidFill>
                   <a:schemeClr val="tx1">
                     <a:tint val="75000"/>
@@ -910,9 +912,9 @@
                 </a:solidFill>
               </a:defRPr>
             </a:lvl2pPr>
-            <a:lvl3pPr marL="1332098" indent="0">
-              <a:buNone/>
-              <a:defRPr sz="2622">
+            <a:lvl3pPr marL="1296071" indent="0">
+              <a:buNone/>
+              <a:defRPr sz="2551">
                 <a:solidFill>
                   <a:schemeClr val="tx1">
                     <a:tint val="75000"/>
@@ -920,9 +922,9 @@
                 </a:solidFill>
               </a:defRPr>
             </a:lvl3pPr>
-            <a:lvl4pPr marL="1998147" indent="0">
-              <a:buNone/>
-              <a:defRPr sz="2331">
+            <a:lvl4pPr marL="1944106" indent="0">
+              <a:buNone/>
+              <a:defRPr sz="2268">
                 <a:solidFill>
                   <a:schemeClr val="tx1">
                     <a:tint val="75000"/>
@@ -930,9 +932,9 @@
                 </a:solidFill>
               </a:defRPr>
             </a:lvl4pPr>
-            <a:lvl5pPr marL="2664196" indent="0">
-              <a:buNone/>
-              <a:defRPr sz="2331">
+            <a:lvl5pPr marL="2592141" indent="0">
+              <a:buNone/>
+              <a:defRPr sz="2268">
                 <a:solidFill>
                   <a:schemeClr val="tx1">
                     <a:tint val="75000"/>
@@ -940,9 +942,9 @@
                 </a:solidFill>
               </a:defRPr>
             </a:lvl5pPr>
-            <a:lvl6pPr marL="3330245" indent="0">
-              <a:buNone/>
-              <a:defRPr sz="2331">
+            <a:lvl6pPr marL="3240176" indent="0">
+              <a:buNone/>
+              <a:defRPr sz="2268">
                 <a:solidFill>
                   <a:schemeClr val="tx1">
                     <a:tint val="75000"/>
@@ -950,9 +952,9 @@
                 </a:solidFill>
               </a:defRPr>
             </a:lvl6pPr>
-            <a:lvl7pPr marL="3996294" indent="0">
-              <a:buNone/>
-              <a:defRPr sz="2331">
+            <a:lvl7pPr marL="3888212" indent="0">
+              <a:buNone/>
+              <a:defRPr sz="2268">
                 <a:solidFill>
                   <a:schemeClr val="tx1">
                     <a:tint val="75000"/>
@@ -960,9 +962,9 @@
                 </a:solidFill>
               </a:defRPr>
             </a:lvl7pPr>
-            <a:lvl8pPr marL="4662343" indent="0">
-              <a:buNone/>
-              <a:defRPr sz="2331">
+            <a:lvl8pPr marL="4536247" indent="0">
+              <a:buNone/>
+              <a:defRPr sz="2268">
                 <a:solidFill>
                   <a:schemeClr val="tx1">
                     <a:tint val="75000"/>
@@ -970,9 +972,9 @@
                 </a:solidFill>
               </a:defRPr>
             </a:lvl8pPr>
-            <a:lvl9pPr marL="5328392" indent="0">
-              <a:buNone/>
-              <a:defRPr sz="2331">
+            <a:lvl9pPr marL="5184282" indent="0">
+              <a:buNone/>
+              <a:defRPr sz="2268">
                 <a:solidFill>
                   <a:schemeClr val="tx1">
                     <a:tint val="75000"/>
@@ -1007,7 +1009,7 @@
           <a:p>
             <a:fld id="{2F0AC040-D16D-2D41-AA8A-B222EE305357}" type="datetimeFigureOut">
               <a:rPr lang="en-US" smtClean="0"/>
-              <a:t>7/16/25</a:t>
+              <a:t>12/19/25</a:t>
             </a:fld>
             <a:endParaRPr lang="en-US"/>
           </a:p>
@@ -1058,7 +1060,7 @@
     </p:spTree>
     <p:extLst>
       <p:ext uri="{BB962C8B-B14F-4D97-AF65-F5344CB8AC3E}">
-        <p14:creationId xmlns:p14="http://schemas.microsoft.com/office/powerpoint/2010/main" val="3268092516"/>
+        <p14:creationId xmlns:p14="http://schemas.microsoft.com/office/powerpoint/2010/main" val="751886062"/>
       </p:ext>
     </p:extLst>
   </p:cSld>
@@ -1120,8 +1122,8 @@
         </p:nvSpPr>
         <p:spPr>
           <a:xfrm>
-            <a:off x="915799" y="2874937"/>
-            <a:ext cx="5661303" cy="6852350"/>
+            <a:off x="1311761" y="2587570"/>
+            <a:ext cx="8109069" cy="6167418"/>
           </a:xfrm>
         </p:spPr>
         <p:txBody>
@@ -1177,8 +1179,8 @@
         </p:nvSpPr>
         <p:spPr>
           <a:xfrm>
-            <a:off x="6743611" y="2874937"/>
-            <a:ext cx="5661303" cy="6852350"/>
+            <a:off x="9659333" y="2587570"/>
+            <a:ext cx="8109069" cy="6167418"/>
           </a:xfrm>
         </p:spPr>
         <p:txBody>
@@ -1239,7 +1241,7 @@
           <a:p>
             <a:fld id="{2F0AC040-D16D-2D41-AA8A-B222EE305357}" type="datetimeFigureOut">
               <a:rPr lang="en-US" smtClean="0"/>
-              <a:t>7/16/25</a:t>
+              <a:t>12/19/25</a:t>
             </a:fld>
             <a:endParaRPr lang="en-US"/>
           </a:p>
@@ -1290,7 +1292,7 @@
     </p:spTree>
     <p:extLst>
       <p:ext uri="{BB962C8B-B14F-4D97-AF65-F5344CB8AC3E}">
-        <p14:creationId xmlns:p14="http://schemas.microsoft.com/office/powerpoint/2010/main" val="1093442658"/>
+        <p14:creationId xmlns:p14="http://schemas.microsoft.com/office/powerpoint/2010/main" val="3925721319"/>
       </p:ext>
     </p:extLst>
   </p:cSld>
@@ -1329,8 +1331,8 @@
         </p:nvSpPr>
         <p:spPr>
           <a:xfrm>
-            <a:off x="917534" y="574990"/>
-            <a:ext cx="11489115" cy="2087455"/>
+            <a:off x="1314246" y="517514"/>
+            <a:ext cx="16456641" cy="1878802"/>
           </a:xfrm>
         </p:spPr>
         <p:txBody>
@@ -1357,8 +1359,8 @@
         </p:nvSpPr>
         <p:spPr>
           <a:xfrm>
-            <a:off x="917536" y="2647443"/>
-            <a:ext cx="5635285" cy="1297471"/>
+            <a:off x="1314247" y="2382815"/>
+            <a:ext cx="8071803" cy="1167781"/>
           </a:xfrm>
         </p:spPr>
         <p:txBody>
@@ -1366,39 +1368,39 @@
           <a:lstStyle>
             <a:lvl1pPr marL="0" indent="0">
               <a:buNone/>
-              <a:defRPr sz="3496" b="1"/>
+              <a:defRPr sz="3402" b="1"/>
             </a:lvl1pPr>
-            <a:lvl2pPr marL="666049" indent="0">
-              <a:buNone/>
-              <a:defRPr sz="2914" b="1"/>
+            <a:lvl2pPr marL="648035" indent="0">
+              <a:buNone/>
+              <a:defRPr sz="2835" b="1"/>
             </a:lvl2pPr>
-            <a:lvl3pPr marL="1332098" indent="0">
-              <a:buNone/>
-              <a:defRPr sz="2622" b="1"/>
+            <a:lvl3pPr marL="1296071" indent="0">
+              <a:buNone/>
+              <a:defRPr sz="2551" b="1"/>
             </a:lvl3pPr>
-            <a:lvl4pPr marL="1998147" indent="0">
-              <a:buNone/>
-              <a:defRPr sz="2331" b="1"/>
+            <a:lvl4pPr marL="1944106" indent="0">
+              <a:buNone/>
+              <a:defRPr sz="2268" b="1"/>
             </a:lvl4pPr>
-            <a:lvl5pPr marL="2664196" indent="0">
-              <a:buNone/>
-              <a:defRPr sz="2331" b="1"/>
+            <a:lvl5pPr marL="2592141" indent="0">
+              <a:buNone/>
+              <a:defRPr sz="2268" b="1"/>
             </a:lvl5pPr>
-            <a:lvl6pPr marL="3330245" indent="0">
-              <a:buNone/>
-              <a:defRPr sz="2331" b="1"/>
+            <a:lvl6pPr marL="3240176" indent="0">
+              <a:buNone/>
+              <a:defRPr sz="2268" b="1"/>
             </a:lvl6pPr>
-            <a:lvl7pPr marL="3996294" indent="0">
-              <a:buNone/>
-              <a:defRPr sz="2331" b="1"/>
+            <a:lvl7pPr marL="3888212" indent="0">
+              <a:buNone/>
+              <a:defRPr sz="2268" b="1"/>
             </a:lvl7pPr>
-            <a:lvl8pPr marL="4662343" indent="0">
-              <a:buNone/>
-              <a:defRPr sz="2331" b="1"/>
+            <a:lvl8pPr marL="4536247" indent="0">
+              <a:buNone/>
+              <a:defRPr sz="2268" b="1"/>
             </a:lvl8pPr>
-            <a:lvl9pPr marL="5328392" indent="0">
-              <a:buNone/>
-              <a:defRPr sz="2331" b="1"/>
+            <a:lvl9pPr marL="5184282" indent="0">
+              <a:buNone/>
+              <a:defRPr sz="2268" b="1"/>
             </a:lvl9pPr>
           </a:lstStyle>
           <a:p>
@@ -1422,8 +1424,8 @@
         </p:nvSpPr>
         <p:spPr>
           <a:xfrm>
-            <a:off x="917536" y="3944914"/>
-            <a:ext cx="5635285" cy="5802373"/>
+            <a:off x="1314247" y="3550596"/>
+            <a:ext cx="8071803" cy="5222392"/>
           </a:xfrm>
         </p:spPr>
         <p:txBody>
@@ -1479,8 +1481,8 @@
         </p:nvSpPr>
         <p:spPr>
           <a:xfrm>
-            <a:off x="6743612" y="2647443"/>
-            <a:ext cx="5663038" cy="1297471"/>
+            <a:off x="9659333" y="2382815"/>
+            <a:ext cx="8111554" cy="1167781"/>
           </a:xfrm>
         </p:spPr>
         <p:txBody>
@@ -1488,39 +1490,39 @@
           <a:lstStyle>
             <a:lvl1pPr marL="0" indent="0">
               <a:buNone/>
-              <a:defRPr sz="3496" b="1"/>
+              <a:defRPr sz="3402" b="1"/>
             </a:lvl1pPr>
-            <a:lvl2pPr marL="666049" indent="0">
-              <a:buNone/>
-              <a:defRPr sz="2914" b="1"/>
+            <a:lvl2pPr marL="648035" indent="0">
+              <a:buNone/>
+              <a:defRPr sz="2835" b="1"/>
             </a:lvl2pPr>
-            <a:lvl3pPr marL="1332098" indent="0">
-              <a:buNone/>
-              <a:defRPr sz="2622" b="1"/>
+            <a:lvl3pPr marL="1296071" indent="0">
+              <a:buNone/>
+              <a:defRPr sz="2551" b="1"/>
             </a:lvl3pPr>
-            <a:lvl4pPr marL="1998147" indent="0">
-              <a:buNone/>
-              <a:defRPr sz="2331" b="1"/>
+            <a:lvl4pPr marL="1944106" indent="0">
+              <a:buNone/>
+              <a:defRPr sz="2268" b="1"/>
             </a:lvl4pPr>
-            <a:lvl5pPr marL="2664196" indent="0">
-              <a:buNone/>
-              <a:defRPr sz="2331" b="1"/>
+            <a:lvl5pPr marL="2592141" indent="0">
+              <a:buNone/>
+              <a:defRPr sz="2268" b="1"/>
             </a:lvl5pPr>
-            <a:lvl6pPr marL="3330245" indent="0">
-              <a:buNone/>
-              <a:defRPr sz="2331" b="1"/>
+            <a:lvl6pPr marL="3240176" indent="0">
+              <a:buNone/>
+              <a:defRPr sz="2268" b="1"/>
             </a:lvl6pPr>
-            <a:lvl7pPr marL="3996294" indent="0">
-              <a:buNone/>
-              <a:defRPr sz="2331" b="1"/>
+            <a:lvl7pPr marL="3888212" indent="0">
+              <a:buNone/>
+              <a:defRPr sz="2268" b="1"/>
             </a:lvl7pPr>
-            <a:lvl8pPr marL="4662343" indent="0">
-              <a:buNone/>
-              <a:defRPr sz="2331" b="1"/>
+            <a:lvl8pPr marL="4536247" indent="0">
+              <a:buNone/>
+              <a:defRPr sz="2268" b="1"/>
             </a:lvl8pPr>
-            <a:lvl9pPr marL="5328392" indent="0">
-              <a:buNone/>
-              <a:defRPr sz="2331" b="1"/>
+            <a:lvl9pPr marL="5184282" indent="0">
+              <a:buNone/>
+              <a:defRPr sz="2268" b="1"/>
             </a:lvl9pPr>
           </a:lstStyle>
           <a:p>
@@ -1544,8 +1546,8 @@
         </p:nvSpPr>
         <p:spPr>
           <a:xfrm>
-            <a:off x="6743612" y="3944914"/>
-            <a:ext cx="5663038" cy="5802373"/>
+            <a:off x="9659333" y="3550596"/>
+            <a:ext cx="8111554" cy="5222392"/>
           </a:xfrm>
         </p:spPr>
         <p:txBody>
@@ -1606,7 +1608,7 @@
           <a:p>
             <a:fld id="{2F0AC040-D16D-2D41-AA8A-B222EE305357}" type="datetimeFigureOut">
               <a:rPr lang="en-US" smtClean="0"/>
-              <a:t>7/16/25</a:t>
+              <a:t>12/19/25</a:t>
             </a:fld>
             <a:endParaRPr lang="en-US"/>
           </a:p>
@@ -1657,7 +1659,7 @@
     </p:spTree>
     <p:extLst>
       <p:ext uri="{BB962C8B-B14F-4D97-AF65-F5344CB8AC3E}">
-        <p14:creationId xmlns:p14="http://schemas.microsoft.com/office/powerpoint/2010/main" val="3212655695"/>
+        <p14:creationId xmlns:p14="http://schemas.microsoft.com/office/powerpoint/2010/main" val="612033304"/>
       </p:ext>
     </p:extLst>
   </p:cSld>
@@ -1724,7 +1726,7 @@
           <a:p>
             <a:fld id="{2F0AC040-D16D-2D41-AA8A-B222EE305357}" type="datetimeFigureOut">
               <a:rPr lang="en-US" smtClean="0"/>
-              <a:t>7/16/25</a:t>
+              <a:t>12/19/25</a:t>
             </a:fld>
             <a:endParaRPr lang="en-US"/>
           </a:p>
@@ -1775,7 +1777,7 @@
     </p:spTree>
     <p:extLst>
       <p:ext uri="{BB962C8B-B14F-4D97-AF65-F5344CB8AC3E}">
-        <p14:creationId xmlns:p14="http://schemas.microsoft.com/office/powerpoint/2010/main" val="234526694"/>
+        <p14:creationId xmlns:p14="http://schemas.microsoft.com/office/powerpoint/2010/main" val="2952650224"/>
       </p:ext>
     </p:extLst>
   </p:cSld>
@@ -1819,7 +1821,7 @@
           <a:p>
             <a:fld id="{2F0AC040-D16D-2D41-AA8A-B222EE305357}" type="datetimeFigureOut">
               <a:rPr lang="en-US" smtClean="0"/>
-              <a:t>7/16/25</a:t>
+              <a:t>12/19/25</a:t>
             </a:fld>
             <a:endParaRPr lang="en-US"/>
           </a:p>
@@ -1870,7 +1872,7 @@
     </p:spTree>
     <p:extLst>
       <p:ext uri="{BB962C8B-B14F-4D97-AF65-F5344CB8AC3E}">
-        <p14:creationId xmlns:p14="http://schemas.microsoft.com/office/powerpoint/2010/main" val="2837219746"/>
+        <p14:creationId xmlns:p14="http://schemas.microsoft.com/office/powerpoint/2010/main" val="534305395"/>
       </p:ext>
     </p:extLst>
   </p:cSld>
@@ -1909,15 +1911,15 @@
         </p:nvSpPr>
         <p:spPr>
           <a:xfrm>
-            <a:off x="917534" y="719984"/>
-            <a:ext cx="4296277" cy="2519945"/>
+            <a:off x="1314247" y="648018"/>
+            <a:ext cx="6153849" cy="2268061"/>
           </a:xfrm>
         </p:spPr>
         <p:txBody>
           <a:bodyPr anchor="b"/>
           <a:lstStyle>
             <a:lvl1pPr>
-              <a:defRPr sz="4662"/>
+              <a:defRPr sz="4536"/>
             </a:lvl1pPr>
           </a:lstStyle>
           <a:p>
@@ -1941,39 +1943,39 @@
         </p:nvSpPr>
         <p:spPr>
           <a:xfrm>
-            <a:off x="5663038" y="1554968"/>
-            <a:ext cx="6743611" cy="7674832"/>
+            <a:off x="8111554" y="1399539"/>
+            <a:ext cx="9659333" cy="6907687"/>
           </a:xfrm>
         </p:spPr>
         <p:txBody>
           <a:bodyPr/>
           <a:lstStyle>
             <a:lvl1pPr>
-              <a:defRPr sz="4662"/>
+              <a:defRPr sz="4536"/>
             </a:lvl1pPr>
             <a:lvl2pPr>
-              <a:defRPr sz="4079"/>
+              <a:defRPr sz="3969"/>
             </a:lvl2pPr>
             <a:lvl3pPr>
-              <a:defRPr sz="3496"/>
+              <a:defRPr sz="3402"/>
             </a:lvl3pPr>
             <a:lvl4pPr>
-              <a:defRPr sz="2914"/>
+              <a:defRPr sz="2835"/>
             </a:lvl4pPr>
             <a:lvl5pPr>
-              <a:defRPr sz="2914"/>
+              <a:defRPr sz="2835"/>
             </a:lvl5pPr>
             <a:lvl6pPr>
-              <a:defRPr sz="2914"/>
+              <a:defRPr sz="2835"/>
             </a:lvl6pPr>
             <a:lvl7pPr>
-              <a:defRPr sz="2914"/>
+              <a:defRPr sz="2835"/>
             </a:lvl7pPr>
             <a:lvl8pPr>
-              <a:defRPr sz="2914"/>
+              <a:defRPr sz="2835"/>
             </a:lvl8pPr>
             <a:lvl9pPr>
-              <a:defRPr sz="2914"/>
+              <a:defRPr sz="2835"/>
             </a:lvl9pPr>
           </a:lstStyle>
           <a:p>
@@ -2026,8 +2028,8 @@
         </p:nvSpPr>
         <p:spPr>
           <a:xfrm>
-            <a:off x="917534" y="3239929"/>
-            <a:ext cx="4296277" cy="6002369"/>
+            <a:off x="1314247" y="2916079"/>
+            <a:ext cx="6153849" cy="5402397"/>
           </a:xfrm>
         </p:spPr>
         <p:txBody>
@@ -2035,39 +2037,39 @@
           <a:lstStyle>
             <a:lvl1pPr marL="0" indent="0">
               <a:buNone/>
-              <a:defRPr sz="2331"/>
+              <a:defRPr sz="2268"/>
             </a:lvl1pPr>
-            <a:lvl2pPr marL="666049" indent="0">
-              <a:buNone/>
-              <a:defRPr sz="2040"/>
+            <a:lvl2pPr marL="648035" indent="0">
+              <a:buNone/>
+              <a:defRPr sz="1984"/>
             </a:lvl2pPr>
-            <a:lvl3pPr marL="1332098" indent="0">
-              <a:buNone/>
-              <a:defRPr sz="1748"/>
+            <a:lvl3pPr marL="1296071" indent="0">
+              <a:buNone/>
+              <a:defRPr sz="1701"/>
             </a:lvl3pPr>
-            <a:lvl4pPr marL="1998147" indent="0">
-              <a:buNone/>
-              <a:defRPr sz="1457"/>
+            <a:lvl4pPr marL="1944106" indent="0">
+              <a:buNone/>
+              <a:defRPr sz="1417"/>
             </a:lvl4pPr>
-            <a:lvl5pPr marL="2664196" indent="0">
-              <a:buNone/>
-              <a:defRPr sz="1457"/>
+            <a:lvl5pPr marL="2592141" indent="0">
+              <a:buNone/>
+              <a:defRPr sz="1417"/>
             </a:lvl5pPr>
-            <a:lvl6pPr marL="3330245" indent="0">
-              <a:buNone/>
-              <a:defRPr sz="1457"/>
+            <a:lvl6pPr marL="3240176" indent="0">
+              <a:buNone/>
+              <a:defRPr sz="1417"/>
             </a:lvl6pPr>
-            <a:lvl7pPr marL="3996294" indent="0">
-              <a:buNone/>
-              <a:defRPr sz="1457"/>
+            <a:lvl7pPr marL="3888212" indent="0">
+              <a:buNone/>
+              <a:defRPr sz="1417"/>
             </a:lvl7pPr>
-            <a:lvl8pPr marL="4662343" indent="0">
-              <a:buNone/>
-              <a:defRPr sz="1457"/>
+            <a:lvl8pPr marL="4536247" indent="0">
+              <a:buNone/>
+              <a:defRPr sz="1417"/>
             </a:lvl8pPr>
-            <a:lvl9pPr marL="5328392" indent="0">
-              <a:buNone/>
-              <a:defRPr sz="1457"/>
+            <a:lvl9pPr marL="5184282" indent="0">
+              <a:buNone/>
+              <a:defRPr sz="1417"/>
             </a:lvl9pPr>
           </a:lstStyle>
           <a:p>
@@ -2096,7 +2098,7 @@
           <a:p>
             <a:fld id="{2F0AC040-D16D-2D41-AA8A-B222EE305357}" type="datetimeFigureOut">
               <a:rPr lang="en-US" smtClean="0"/>
-              <a:t>7/16/25</a:t>
+              <a:t>12/19/25</a:t>
             </a:fld>
             <a:endParaRPr lang="en-US"/>
           </a:p>
@@ -2147,7 +2149,7 @@
     </p:spTree>
     <p:extLst>
       <p:ext uri="{BB962C8B-B14F-4D97-AF65-F5344CB8AC3E}">
-        <p14:creationId xmlns:p14="http://schemas.microsoft.com/office/powerpoint/2010/main" val="1500570679"/>
+        <p14:creationId xmlns:p14="http://schemas.microsoft.com/office/powerpoint/2010/main" val="426931143"/>
       </p:ext>
     </p:extLst>
   </p:cSld>
@@ -2186,15 +2188,15 @@
         </p:nvSpPr>
         <p:spPr>
           <a:xfrm>
-            <a:off x="917534" y="719984"/>
-            <a:ext cx="4296277" cy="2519945"/>
+            <a:off x="1314247" y="648018"/>
+            <a:ext cx="6153849" cy="2268061"/>
           </a:xfrm>
         </p:spPr>
         <p:txBody>
           <a:bodyPr anchor="b"/>
           <a:lstStyle>
             <a:lvl1pPr>
-              <a:defRPr sz="4662"/>
+              <a:defRPr sz="4536"/>
             </a:lvl1pPr>
           </a:lstStyle>
           <a:p>
@@ -2218,8 +2220,8 @@
         </p:nvSpPr>
         <p:spPr>
           <a:xfrm>
-            <a:off x="5663038" y="1554968"/>
-            <a:ext cx="6743611" cy="7674832"/>
+            <a:off x="8111554" y="1399539"/>
+            <a:ext cx="9659333" cy="6907687"/>
           </a:xfrm>
         </p:spPr>
         <p:txBody>
@@ -2227,39 +2229,39 @@
           <a:lstStyle>
             <a:lvl1pPr marL="0" indent="0">
               <a:buNone/>
-              <a:defRPr sz="4662"/>
+              <a:defRPr sz="4536"/>
             </a:lvl1pPr>
-            <a:lvl2pPr marL="666049" indent="0">
-              <a:buNone/>
-              <a:defRPr sz="4079"/>
+            <a:lvl2pPr marL="648035" indent="0">
+              <a:buNone/>
+              <a:defRPr sz="3969"/>
             </a:lvl2pPr>
-            <a:lvl3pPr marL="1332098" indent="0">
-              <a:buNone/>
-              <a:defRPr sz="3496"/>
+            <a:lvl3pPr marL="1296071" indent="0">
+              <a:buNone/>
+              <a:defRPr sz="3402"/>
             </a:lvl3pPr>
-            <a:lvl4pPr marL="1998147" indent="0">
-              <a:buNone/>
-              <a:defRPr sz="2914"/>
+            <a:lvl4pPr marL="1944106" indent="0">
+              <a:buNone/>
+              <a:defRPr sz="2835"/>
             </a:lvl4pPr>
-            <a:lvl5pPr marL="2664196" indent="0">
-              <a:buNone/>
-              <a:defRPr sz="2914"/>
+            <a:lvl5pPr marL="2592141" indent="0">
+              <a:buNone/>
+              <a:defRPr sz="2835"/>
             </a:lvl5pPr>
-            <a:lvl6pPr marL="3330245" indent="0">
-              <a:buNone/>
-              <a:defRPr sz="2914"/>
+            <a:lvl6pPr marL="3240176" indent="0">
+              <a:buNone/>
+              <a:defRPr sz="2835"/>
             </a:lvl6pPr>
-            <a:lvl7pPr marL="3996294" indent="0">
-              <a:buNone/>
-              <a:defRPr sz="2914"/>
+            <a:lvl7pPr marL="3888212" indent="0">
+              <a:buNone/>
+              <a:defRPr sz="2835"/>
             </a:lvl7pPr>
-            <a:lvl8pPr marL="4662343" indent="0">
-              <a:buNone/>
-              <a:defRPr sz="2914"/>
+            <a:lvl8pPr marL="4536247" indent="0">
+              <a:buNone/>
+              <a:defRPr sz="2835"/>
             </a:lvl8pPr>
-            <a:lvl9pPr marL="5328392" indent="0">
-              <a:buNone/>
-              <a:defRPr sz="2914"/>
+            <a:lvl9pPr marL="5184282" indent="0">
+              <a:buNone/>
+              <a:defRPr sz="2835"/>
             </a:lvl9pPr>
           </a:lstStyle>
           <a:p>
@@ -2283,8 +2285,8 @@
         </p:nvSpPr>
         <p:spPr>
           <a:xfrm>
-            <a:off x="917534" y="3239929"/>
-            <a:ext cx="4296277" cy="6002369"/>
+            <a:off x="1314247" y="2916079"/>
+            <a:ext cx="6153849" cy="5402397"/>
           </a:xfrm>
         </p:spPr>
         <p:txBody>
@@ -2292,39 +2294,39 @@
           <a:lstStyle>
             <a:lvl1pPr marL="0" indent="0">
               <a:buNone/>
-              <a:defRPr sz="2331"/>
+              <a:defRPr sz="2268"/>
             </a:lvl1pPr>
-            <a:lvl2pPr marL="666049" indent="0">
-              <a:buNone/>
-              <a:defRPr sz="2040"/>
+            <a:lvl2pPr marL="648035" indent="0">
+              <a:buNone/>
+              <a:defRPr sz="1984"/>
             </a:lvl2pPr>
-            <a:lvl3pPr marL="1332098" indent="0">
-              <a:buNone/>
-              <a:defRPr sz="1748"/>
+            <a:lvl3pPr marL="1296071" indent="0">
+              <a:buNone/>
+              <a:defRPr sz="1701"/>
             </a:lvl3pPr>
-            <a:lvl4pPr marL="1998147" indent="0">
-              <a:buNone/>
-              <a:defRPr sz="1457"/>
+            <a:lvl4pPr marL="1944106" indent="0">
+              <a:buNone/>
+              <a:defRPr sz="1417"/>
             </a:lvl4pPr>
-            <a:lvl5pPr marL="2664196" indent="0">
-              <a:buNone/>
-              <a:defRPr sz="1457"/>
+            <a:lvl5pPr marL="2592141" indent="0">
+              <a:buNone/>
+              <a:defRPr sz="1417"/>
             </a:lvl5pPr>
-            <a:lvl6pPr marL="3330245" indent="0">
-              <a:buNone/>
-              <a:defRPr sz="1457"/>
+            <a:lvl6pPr marL="3240176" indent="0">
+              <a:buNone/>
+              <a:defRPr sz="1417"/>
             </a:lvl6pPr>
-            <a:lvl7pPr marL="3996294" indent="0">
-              <a:buNone/>
-              <a:defRPr sz="1457"/>
+            <a:lvl7pPr marL="3888212" indent="0">
+              <a:buNone/>
+              <a:defRPr sz="1417"/>
             </a:lvl7pPr>
-            <a:lvl8pPr marL="4662343" indent="0">
-              <a:buNone/>
-              <a:defRPr sz="1457"/>
+            <a:lvl8pPr marL="4536247" indent="0">
+              <a:buNone/>
+              <a:defRPr sz="1417"/>
             </a:lvl8pPr>
-            <a:lvl9pPr marL="5328392" indent="0">
-              <a:buNone/>
-              <a:defRPr sz="1457"/>
+            <a:lvl9pPr marL="5184282" indent="0">
+              <a:buNone/>
+              <a:defRPr sz="1417"/>
             </a:lvl9pPr>
           </a:lstStyle>
           <a:p>
@@ -2353,7 +2355,7 @@
           <a:p>
             <a:fld id="{2F0AC040-D16D-2D41-AA8A-B222EE305357}" type="datetimeFigureOut">
               <a:rPr lang="en-US" smtClean="0"/>
-              <a:t>7/16/25</a:t>
+              <a:t>12/19/25</a:t>
             </a:fld>
             <a:endParaRPr lang="en-US"/>
           </a:p>
@@ -2404,7 +2406,7 @@
     </p:spTree>
     <p:extLst>
       <p:ext uri="{BB962C8B-B14F-4D97-AF65-F5344CB8AC3E}">
-        <p14:creationId xmlns:p14="http://schemas.microsoft.com/office/powerpoint/2010/main" val="3007549224"/>
+        <p14:creationId xmlns:p14="http://schemas.microsoft.com/office/powerpoint/2010/main" val="2023961428"/>
       </p:ext>
     </p:extLst>
   </p:cSld>
@@ -2448,8 +2450,8 @@
         </p:nvSpPr>
         <p:spPr>
           <a:xfrm>
-            <a:off x="915799" y="574990"/>
-            <a:ext cx="11489115" cy="2087455"/>
+            <a:off x="1311761" y="517514"/>
+            <a:ext cx="16456641" cy="1878802"/>
           </a:xfrm>
           <a:prstGeom prst="rect">
             <a:avLst/>
@@ -2481,8 +2483,8 @@
         </p:nvSpPr>
         <p:spPr>
           <a:xfrm>
-            <a:off x="915799" y="2874937"/>
-            <a:ext cx="11489115" cy="6852350"/>
+            <a:off x="1311761" y="2587570"/>
+            <a:ext cx="16456641" cy="6167418"/>
           </a:xfrm>
           <a:prstGeom prst="rect">
             <a:avLst/>
@@ -2543,8 +2545,8 @@
         </p:nvSpPr>
         <p:spPr>
           <a:xfrm>
-            <a:off x="915799" y="10009783"/>
-            <a:ext cx="2997160" cy="574987"/>
+            <a:off x="1311761" y="9009244"/>
+            <a:ext cx="4293037" cy="517514"/>
           </a:xfrm>
           <a:prstGeom prst="rect">
             <a:avLst/>
@@ -2554,7 +2556,7 @@
           <a:bodyPr vert="horz" lIns="91440" tIns="45720" rIns="91440" bIns="45720" rtlCol="0" anchor="ctr"/>
           <a:lstStyle>
             <a:lvl1pPr algn="l">
-              <a:defRPr sz="1748">
+              <a:defRPr sz="1701">
                 <a:solidFill>
                   <a:schemeClr val="tx1">
                     <a:tint val="75000"/>
@@ -2566,7 +2568,7 @@
           <a:p>
             <a:fld id="{2F0AC040-D16D-2D41-AA8A-B222EE305357}" type="datetimeFigureOut">
               <a:rPr lang="en-US" smtClean="0"/>
-              <a:t>7/16/25</a:t>
+              <a:t>12/19/25</a:t>
             </a:fld>
             <a:endParaRPr lang="en-US"/>
           </a:p>
@@ -2584,8 +2586,8 @@
         </p:nvSpPr>
         <p:spPr>
           <a:xfrm>
-            <a:off x="4412486" y="10009783"/>
-            <a:ext cx="4495741" cy="574987"/>
+            <a:off x="6320304" y="9009244"/>
+            <a:ext cx="6439555" cy="517514"/>
           </a:xfrm>
           <a:prstGeom prst="rect">
             <a:avLst/>
@@ -2595,7 +2597,7 @@
           <a:bodyPr vert="horz" lIns="91440" tIns="45720" rIns="91440" bIns="45720" rtlCol="0" anchor="ctr"/>
           <a:lstStyle>
             <a:lvl1pPr algn="ctr">
-              <a:defRPr sz="1748">
+              <a:defRPr sz="1701">
                 <a:solidFill>
                   <a:schemeClr val="tx1">
                     <a:tint val="75000"/>
@@ -2621,8 +2623,8 @@
         </p:nvSpPr>
         <p:spPr>
           <a:xfrm>
-            <a:off x="9407754" y="10009783"/>
-            <a:ext cx="2997160" cy="574987"/>
+            <a:off x="13475365" y="9009244"/>
+            <a:ext cx="4293037" cy="517514"/>
           </a:xfrm>
           <a:prstGeom prst="rect">
             <a:avLst/>
@@ -2632,7 +2634,7 @@
           <a:bodyPr vert="horz" lIns="91440" tIns="45720" rIns="91440" bIns="45720" rtlCol="0" anchor="ctr"/>
           <a:lstStyle>
             <a:lvl1pPr algn="r">
-              <a:defRPr sz="1748">
+              <a:defRPr sz="1701">
                 <a:solidFill>
                   <a:schemeClr val="tx1">
                     <a:tint val="75000"/>
@@ -2653,27 +2655,27 @@
     </p:spTree>
     <p:extLst>
       <p:ext uri="{BB962C8B-B14F-4D97-AF65-F5344CB8AC3E}">
-        <p14:creationId xmlns:p14="http://schemas.microsoft.com/office/powerpoint/2010/main" val="2649708216"/>
+        <p14:creationId xmlns:p14="http://schemas.microsoft.com/office/powerpoint/2010/main" val="3781309411"/>
       </p:ext>
     </p:extLst>
   </p:cSld>
   <p:clrMap bg1="lt1" tx1="dk1" bg2="lt2" tx2="dk2" accent1="accent1" accent2="accent2" accent3="accent3" accent4="accent4" accent5="accent5" accent6="accent6" hlink="hlink" folHlink="folHlink"/>
   <p:sldLayoutIdLst>
-    <p:sldLayoutId id="2147483673" r:id="rId1"/>
-    <p:sldLayoutId id="2147483674" r:id="rId2"/>
-    <p:sldLayoutId id="2147483675" r:id="rId3"/>
-    <p:sldLayoutId id="2147483676" r:id="rId4"/>
-    <p:sldLayoutId id="2147483677" r:id="rId5"/>
-    <p:sldLayoutId id="2147483678" r:id="rId6"/>
-    <p:sldLayoutId id="2147483679" r:id="rId7"/>
-    <p:sldLayoutId id="2147483680" r:id="rId8"/>
-    <p:sldLayoutId id="2147483681" r:id="rId9"/>
-    <p:sldLayoutId id="2147483682" r:id="rId10"/>
-    <p:sldLayoutId id="2147483683" r:id="rId11"/>
+    <p:sldLayoutId id="2147483817" r:id="rId1"/>
+    <p:sldLayoutId id="2147483818" r:id="rId2"/>
+    <p:sldLayoutId id="2147483819" r:id="rId3"/>
+    <p:sldLayoutId id="2147483820" r:id="rId4"/>
+    <p:sldLayoutId id="2147483821" r:id="rId5"/>
+    <p:sldLayoutId id="2147483822" r:id="rId6"/>
+    <p:sldLayoutId id="2147483823" r:id="rId7"/>
+    <p:sldLayoutId id="2147483824" r:id="rId8"/>
+    <p:sldLayoutId id="2147483825" r:id="rId9"/>
+    <p:sldLayoutId id="2147483826" r:id="rId10"/>
+    <p:sldLayoutId id="2147483827" r:id="rId11"/>
   </p:sldLayoutIdLst>
   <p:txStyles>
     <p:titleStyle>
-      <a:lvl1pPr algn="l" defTabSz="1332098" rtl="0" eaLnBrk="1" latinLnBrk="0" hangingPunct="1">
+      <a:lvl1pPr algn="l" defTabSz="1296071" rtl="0" eaLnBrk="1" latinLnBrk="0" hangingPunct="1">
         <a:lnSpc>
           <a:spcPct val="90000"/>
         </a:lnSpc>
@@ -2681,7 +2683,7 @@
           <a:spcPct val="0"/>
         </a:spcBef>
         <a:buNone/>
-        <a:defRPr sz="6410" kern="1200">
+        <a:defRPr sz="6237" kern="1200">
           <a:solidFill>
             <a:schemeClr val="tx1"/>
           </a:solidFill>
@@ -2692,16 +2694,16 @@
       </a:lvl1pPr>
     </p:titleStyle>
     <p:bodyStyle>
-      <a:lvl1pPr marL="333024" indent="-333024" algn="l" defTabSz="1332098" rtl="0" eaLnBrk="1" latinLnBrk="0" hangingPunct="1">
+      <a:lvl1pPr marL="324018" indent="-324018" algn="l" defTabSz="1296071" rtl="0" eaLnBrk="1" latinLnBrk="0" hangingPunct="1">
         <a:lnSpc>
           <a:spcPct val="90000"/>
         </a:lnSpc>
         <a:spcBef>
-          <a:spcPts val="1457"/>
+          <a:spcPts val="1417"/>
         </a:spcBef>
         <a:buFont typeface="Arial" panose="020B0604020202020204" pitchFamily="34" charset="0"/>
         <a:buChar char="•"/>
-        <a:defRPr sz="4079" kern="1200">
+        <a:defRPr sz="3969" kern="1200">
           <a:solidFill>
             <a:schemeClr val="tx1"/>
           </a:solidFill>
@@ -2710,16 +2712,16 @@
           <a:cs typeface="+mn-cs"/>
         </a:defRPr>
       </a:lvl1pPr>
-      <a:lvl2pPr marL="999073" indent="-333024" algn="l" defTabSz="1332098" rtl="0" eaLnBrk="1" latinLnBrk="0" hangingPunct="1">
+      <a:lvl2pPr marL="972053" indent="-324018" algn="l" defTabSz="1296071" rtl="0" eaLnBrk="1" latinLnBrk="0" hangingPunct="1">
         <a:lnSpc>
           <a:spcPct val="90000"/>
         </a:lnSpc>
         <a:spcBef>
-          <a:spcPts val="728"/>
+          <a:spcPts val="709"/>
         </a:spcBef>
         <a:buFont typeface="Arial" panose="020B0604020202020204" pitchFamily="34" charset="0"/>
         <a:buChar char="•"/>
-        <a:defRPr sz="3496" kern="1200">
+        <a:defRPr sz="3402" kern="1200">
           <a:solidFill>
             <a:schemeClr val="tx1"/>
           </a:solidFill>
@@ -2728,16 +2730,16 @@
           <a:cs typeface="+mn-cs"/>
         </a:defRPr>
       </a:lvl2pPr>
-      <a:lvl3pPr marL="1665122" indent="-333024" algn="l" defTabSz="1332098" rtl="0" eaLnBrk="1" latinLnBrk="0" hangingPunct="1">
+      <a:lvl3pPr marL="1620088" indent="-324018" algn="l" defTabSz="1296071" rtl="0" eaLnBrk="1" latinLnBrk="0" hangingPunct="1">
         <a:lnSpc>
           <a:spcPct val="90000"/>
         </a:lnSpc>
         <a:spcBef>
-          <a:spcPts val="728"/>
+          <a:spcPts val="709"/>
         </a:spcBef>
         <a:buFont typeface="Arial" panose="020B0604020202020204" pitchFamily="34" charset="0"/>
         <a:buChar char="•"/>
-        <a:defRPr sz="2914" kern="1200">
+        <a:defRPr sz="2835" kern="1200">
           <a:solidFill>
             <a:schemeClr val="tx1"/>
           </a:solidFill>
@@ -2746,16 +2748,16 @@
           <a:cs typeface="+mn-cs"/>
         </a:defRPr>
       </a:lvl3pPr>
-      <a:lvl4pPr marL="2331171" indent="-333024" algn="l" defTabSz="1332098" rtl="0" eaLnBrk="1" latinLnBrk="0" hangingPunct="1">
+      <a:lvl4pPr marL="2268123" indent="-324018" algn="l" defTabSz="1296071" rtl="0" eaLnBrk="1" latinLnBrk="0" hangingPunct="1">
         <a:lnSpc>
           <a:spcPct val="90000"/>
         </a:lnSpc>
         <a:spcBef>
-          <a:spcPts val="728"/>
+          <a:spcPts val="709"/>
         </a:spcBef>
         <a:buFont typeface="Arial" panose="020B0604020202020204" pitchFamily="34" charset="0"/>
         <a:buChar char="•"/>
-        <a:defRPr sz="2622" kern="1200">
+        <a:defRPr sz="2551" kern="1200">
           <a:solidFill>
             <a:schemeClr val="tx1"/>
           </a:solidFill>
@@ -2764,16 +2766,16 @@
           <a:cs typeface="+mn-cs"/>
         </a:defRPr>
       </a:lvl4pPr>
-      <a:lvl5pPr marL="2997220" indent="-333024" algn="l" defTabSz="1332098" rtl="0" eaLnBrk="1" latinLnBrk="0" hangingPunct="1">
+      <a:lvl5pPr marL="2916159" indent="-324018" algn="l" defTabSz="1296071" rtl="0" eaLnBrk="1" latinLnBrk="0" hangingPunct="1">
         <a:lnSpc>
           <a:spcPct val="90000"/>
         </a:lnSpc>
         <a:spcBef>
-          <a:spcPts val="728"/>
+          <a:spcPts val="709"/>
         </a:spcBef>
         <a:buFont typeface="Arial" panose="020B0604020202020204" pitchFamily="34" charset="0"/>
         <a:buChar char="•"/>
-        <a:defRPr sz="2622" kern="1200">
+        <a:defRPr sz="2551" kern="1200">
           <a:solidFill>
             <a:schemeClr val="tx1"/>
           </a:solidFill>
@@ -2782,16 +2784,16 @@
           <a:cs typeface="+mn-cs"/>
         </a:defRPr>
       </a:lvl5pPr>
-      <a:lvl6pPr marL="3663269" indent="-333024" algn="l" defTabSz="1332098" rtl="0" eaLnBrk="1" latinLnBrk="0" hangingPunct="1">
+      <a:lvl6pPr marL="3564194" indent="-324018" algn="l" defTabSz="1296071" rtl="0" eaLnBrk="1" latinLnBrk="0" hangingPunct="1">
         <a:lnSpc>
           <a:spcPct val="90000"/>
         </a:lnSpc>
         <a:spcBef>
-          <a:spcPts val="728"/>
+          <a:spcPts val="709"/>
         </a:spcBef>
         <a:buFont typeface="Arial" panose="020B0604020202020204" pitchFamily="34" charset="0"/>
         <a:buChar char="•"/>
-        <a:defRPr sz="2622" kern="1200">
+        <a:defRPr sz="2551" kern="1200">
           <a:solidFill>
             <a:schemeClr val="tx1"/>
           </a:solidFill>
@@ -2800,16 +2802,16 @@
           <a:cs typeface="+mn-cs"/>
         </a:defRPr>
       </a:lvl6pPr>
-      <a:lvl7pPr marL="4329318" indent="-333024" algn="l" defTabSz="1332098" rtl="0" eaLnBrk="1" latinLnBrk="0" hangingPunct="1">
+      <a:lvl7pPr marL="4212229" indent="-324018" algn="l" defTabSz="1296071" rtl="0" eaLnBrk="1" latinLnBrk="0" hangingPunct="1">
         <a:lnSpc>
           <a:spcPct val="90000"/>
         </a:lnSpc>
         <a:spcBef>
-          <a:spcPts val="728"/>
+          <a:spcPts val="709"/>
         </a:spcBef>
         <a:buFont typeface="Arial" panose="020B0604020202020204" pitchFamily="34" charset="0"/>
         <a:buChar char="•"/>
-        <a:defRPr sz="2622" kern="1200">
+        <a:defRPr sz="2551" kern="1200">
           <a:solidFill>
             <a:schemeClr val="tx1"/>
           </a:solidFill>
@@ -2818,16 +2820,16 @@
           <a:cs typeface="+mn-cs"/>
         </a:defRPr>
       </a:lvl7pPr>
-      <a:lvl8pPr marL="4995367" indent="-333024" algn="l" defTabSz="1332098" rtl="0" eaLnBrk="1" latinLnBrk="0" hangingPunct="1">
+      <a:lvl8pPr marL="4860265" indent="-324018" algn="l" defTabSz="1296071" rtl="0" eaLnBrk="1" latinLnBrk="0" hangingPunct="1">
         <a:lnSpc>
           <a:spcPct val="90000"/>
         </a:lnSpc>
         <a:spcBef>
-          <a:spcPts val="728"/>
+          <a:spcPts val="709"/>
         </a:spcBef>
         <a:buFont typeface="Arial" panose="020B0604020202020204" pitchFamily="34" charset="0"/>
         <a:buChar char="•"/>
-        <a:defRPr sz="2622" kern="1200">
+        <a:defRPr sz="2551" kern="1200">
           <a:solidFill>
             <a:schemeClr val="tx1"/>
           </a:solidFill>
@@ -2836,16 +2838,16 @@
           <a:cs typeface="+mn-cs"/>
         </a:defRPr>
       </a:lvl8pPr>
-      <a:lvl9pPr marL="5661416" indent="-333024" algn="l" defTabSz="1332098" rtl="0" eaLnBrk="1" latinLnBrk="0" hangingPunct="1">
+      <a:lvl9pPr marL="5508300" indent="-324018" algn="l" defTabSz="1296071" rtl="0" eaLnBrk="1" latinLnBrk="0" hangingPunct="1">
         <a:lnSpc>
           <a:spcPct val="90000"/>
         </a:lnSpc>
         <a:spcBef>
-          <a:spcPts val="728"/>
+          <a:spcPts val="709"/>
         </a:spcBef>
         <a:buFont typeface="Arial" panose="020B0604020202020204" pitchFamily="34" charset="0"/>
         <a:buChar char="•"/>
-        <a:defRPr sz="2622" kern="1200">
+        <a:defRPr sz="2551" kern="1200">
           <a:solidFill>
             <a:schemeClr val="tx1"/>
           </a:solidFill>
@@ -2859,8 +2861,8 @@
       <a:defPPr>
         <a:defRPr lang="en-US"/>
       </a:defPPr>
-      <a:lvl1pPr marL="0" algn="l" defTabSz="1332098" rtl="0" eaLnBrk="1" latinLnBrk="0" hangingPunct="1">
-        <a:defRPr sz="2622" kern="1200">
+      <a:lvl1pPr marL="0" algn="l" defTabSz="1296071" rtl="0" eaLnBrk="1" latinLnBrk="0" hangingPunct="1">
+        <a:defRPr sz="2551" kern="1200">
           <a:solidFill>
             <a:schemeClr val="tx1"/>
           </a:solidFill>
@@ -2869,8 +2871,8 @@
           <a:cs typeface="+mn-cs"/>
         </a:defRPr>
       </a:lvl1pPr>
-      <a:lvl2pPr marL="666049" algn="l" defTabSz="1332098" rtl="0" eaLnBrk="1" latinLnBrk="0" hangingPunct="1">
-        <a:defRPr sz="2622" kern="1200">
+      <a:lvl2pPr marL="648035" algn="l" defTabSz="1296071" rtl="0" eaLnBrk="1" latinLnBrk="0" hangingPunct="1">
+        <a:defRPr sz="2551" kern="1200">
           <a:solidFill>
             <a:schemeClr val="tx1"/>
           </a:solidFill>
@@ -2879,8 +2881,8 @@
           <a:cs typeface="+mn-cs"/>
         </a:defRPr>
       </a:lvl2pPr>
-      <a:lvl3pPr marL="1332098" algn="l" defTabSz="1332098" rtl="0" eaLnBrk="1" latinLnBrk="0" hangingPunct="1">
-        <a:defRPr sz="2622" kern="1200">
+      <a:lvl3pPr marL="1296071" algn="l" defTabSz="1296071" rtl="0" eaLnBrk="1" latinLnBrk="0" hangingPunct="1">
+        <a:defRPr sz="2551" kern="1200">
           <a:solidFill>
             <a:schemeClr val="tx1"/>
           </a:solidFill>
@@ -2889,8 +2891,8 @@
           <a:cs typeface="+mn-cs"/>
         </a:defRPr>
       </a:lvl3pPr>
-      <a:lvl4pPr marL="1998147" algn="l" defTabSz="1332098" rtl="0" eaLnBrk="1" latinLnBrk="0" hangingPunct="1">
-        <a:defRPr sz="2622" kern="1200">
+      <a:lvl4pPr marL="1944106" algn="l" defTabSz="1296071" rtl="0" eaLnBrk="1" latinLnBrk="0" hangingPunct="1">
+        <a:defRPr sz="2551" kern="1200">
           <a:solidFill>
             <a:schemeClr val="tx1"/>
           </a:solidFill>
@@ -2899,8 +2901,8 @@
           <a:cs typeface="+mn-cs"/>
         </a:defRPr>
       </a:lvl4pPr>
-      <a:lvl5pPr marL="2664196" algn="l" defTabSz="1332098" rtl="0" eaLnBrk="1" latinLnBrk="0" hangingPunct="1">
-        <a:defRPr sz="2622" kern="1200">
+      <a:lvl5pPr marL="2592141" algn="l" defTabSz="1296071" rtl="0" eaLnBrk="1" latinLnBrk="0" hangingPunct="1">
+        <a:defRPr sz="2551" kern="1200">
           <a:solidFill>
             <a:schemeClr val="tx1"/>
           </a:solidFill>
@@ -2909,8 +2911,8 @@
           <a:cs typeface="+mn-cs"/>
         </a:defRPr>
       </a:lvl5pPr>
-      <a:lvl6pPr marL="3330245" algn="l" defTabSz="1332098" rtl="0" eaLnBrk="1" latinLnBrk="0" hangingPunct="1">
-        <a:defRPr sz="2622" kern="1200">
+      <a:lvl6pPr marL="3240176" algn="l" defTabSz="1296071" rtl="0" eaLnBrk="1" latinLnBrk="0" hangingPunct="1">
+        <a:defRPr sz="2551" kern="1200">
           <a:solidFill>
             <a:schemeClr val="tx1"/>
           </a:solidFill>
@@ -2919,8 +2921,8 @@
           <a:cs typeface="+mn-cs"/>
         </a:defRPr>
       </a:lvl6pPr>
-      <a:lvl7pPr marL="3996294" algn="l" defTabSz="1332098" rtl="0" eaLnBrk="1" latinLnBrk="0" hangingPunct="1">
-        <a:defRPr sz="2622" kern="1200">
+      <a:lvl7pPr marL="3888212" algn="l" defTabSz="1296071" rtl="0" eaLnBrk="1" latinLnBrk="0" hangingPunct="1">
+        <a:defRPr sz="2551" kern="1200">
           <a:solidFill>
             <a:schemeClr val="tx1"/>
           </a:solidFill>
@@ -2929,8 +2931,8 @@
           <a:cs typeface="+mn-cs"/>
         </a:defRPr>
       </a:lvl7pPr>
-      <a:lvl8pPr marL="4662343" algn="l" defTabSz="1332098" rtl="0" eaLnBrk="1" latinLnBrk="0" hangingPunct="1">
-        <a:defRPr sz="2622" kern="1200">
+      <a:lvl8pPr marL="4536247" algn="l" defTabSz="1296071" rtl="0" eaLnBrk="1" latinLnBrk="0" hangingPunct="1">
+        <a:defRPr sz="2551" kern="1200">
           <a:solidFill>
             <a:schemeClr val="tx1"/>
           </a:solidFill>
@@ -2939,8 +2941,8 @@
           <a:cs typeface="+mn-cs"/>
         </a:defRPr>
       </a:lvl8pPr>
-      <a:lvl9pPr marL="5328392" algn="l" defTabSz="1332098" rtl="0" eaLnBrk="1" latinLnBrk="0" hangingPunct="1">
-        <a:defRPr sz="2622" kern="1200">
+      <a:lvl9pPr marL="5184282" algn="l" defTabSz="1296071" rtl="0" eaLnBrk="1" latinLnBrk="0" hangingPunct="1">
+        <a:defRPr sz="2551" kern="1200">
           <a:solidFill>
             <a:schemeClr val="tx1"/>
           </a:solidFill>
@@ -2973,10 +2975,10 @@
       </p:grpSpPr>
       <p:pic>
         <p:nvPicPr>
-          <p:cNvPr id="3" name="Picture 2">
+          <p:cNvPr id="18" name="Picture 17">
             <a:extLst>
               <a:ext uri="{FF2B5EF4-FFF2-40B4-BE49-F238E27FC236}">
-                <a16:creationId xmlns:a16="http://schemas.microsoft.com/office/drawing/2014/main" id="{4DD8A3BB-0548-2D03-F5CD-BD80208DF1B4}"/>
+                <a16:creationId xmlns:a16="http://schemas.microsoft.com/office/drawing/2014/main" id="{ED7F6799-C3C6-D672-DB5F-53D572AF5B5D}"/>
               </a:ext>
             </a:extLst>
           </p:cNvPr>
@@ -2993,96 +2995,20 @@
         </p:blipFill>
         <p:spPr>
           <a:xfrm>
-            <a:off x="393141" y="94494"/>
-            <a:ext cx="5486400" cy="3657600"/>
+            <a:off x="7923204" y="4264244"/>
+            <a:ext cx="10875924" cy="5437962"/>
           </a:xfrm>
           <a:prstGeom prst="rect">
             <a:avLst/>
           </a:prstGeom>
         </p:spPr>
       </p:pic>
-      <p:sp>
-        <p:nvSpPr>
-          <p:cNvPr id="22" name="TextBox 21">
+      <p:pic>
+        <p:nvPicPr>
+          <p:cNvPr id="21" name="Picture 20">
             <a:extLst>
               <a:ext uri="{FF2B5EF4-FFF2-40B4-BE49-F238E27FC236}">
-                <a16:creationId xmlns:a16="http://schemas.microsoft.com/office/drawing/2014/main" id="{2973831C-0E99-19EE-05AE-CECC4F777BF1}"/>
-              </a:ext>
-            </a:extLst>
-          </p:cNvPr>
-          <p:cNvSpPr txBox="1"/>
-          <p:nvPr/>
-        </p:nvSpPr>
-        <p:spPr>
-          <a:xfrm>
-            <a:off x="0" y="0"/>
-            <a:ext cx="762000" cy="477054"/>
-          </a:xfrm>
-          <a:prstGeom prst="rect">
-            <a:avLst/>
-          </a:prstGeom>
-          <a:noFill/>
-        </p:spPr>
-        <p:txBody>
-          <a:bodyPr wrap="square" rtlCol="0">
-            <a:spAutoFit/>
-          </a:bodyPr>
-          <a:lstStyle/>
-          <a:p>
-            <a:r>
-              <a:rPr lang="en-US" sz="2500" b="1" dirty="0">
-                <a:latin typeface="Arial" panose="020B0604020202020204" pitchFamily="34" charset="0"/>
-                <a:cs typeface="Arial" panose="020B0604020202020204" pitchFamily="34" charset="0"/>
-              </a:rPr>
-              <a:t>A</a:t>
-            </a:r>
-          </a:p>
-        </p:txBody>
-      </p:sp>
-      <p:sp>
-        <p:nvSpPr>
-          <p:cNvPr id="23" name="TextBox 22">
-            <a:extLst>
-              <a:ext uri="{FF2B5EF4-FFF2-40B4-BE49-F238E27FC236}">
-                <a16:creationId xmlns:a16="http://schemas.microsoft.com/office/drawing/2014/main" id="{C6A93898-2737-E5B2-18F8-7CF44177F7C6}"/>
-              </a:ext>
-            </a:extLst>
-          </p:cNvPr>
-          <p:cNvSpPr txBox="1"/>
-          <p:nvPr/>
-        </p:nvSpPr>
-        <p:spPr>
-          <a:xfrm>
-            <a:off x="0" y="3886860"/>
-            <a:ext cx="762000" cy="477054"/>
-          </a:xfrm>
-          <a:prstGeom prst="rect">
-            <a:avLst/>
-          </a:prstGeom>
-          <a:noFill/>
-        </p:spPr>
-        <p:txBody>
-          <a:bodyPr wrap="square" rtlCol="0">
-            <a:spAutoFit/>
-          </a:bodyPr>
-          <a:lstStyle/>
-          <a:p>
-            <a:r>
-              <a:rPr lang="en-US" sz="2500" b="1" dirty="0">
-                <a:latin typeface="Arial" panose="020B0604020202020204" pitchFamily="34" charset="0"/>
-                <a:cs typeface="Arial" panose="020B0604020202020204" pitchFamily="34" charset="0"/>
-              </a:rPr>
-              <a:t>B</a:t>
-            </a:r>
-          </a:p>
-        </p:txBody>
-      </p:sp>
-      <p:pic>
-        <p:nvPicPr>
-          <p:cNvPr id="6" name="Picture 5">
-            <a:extLst>
-              <a:ext uri="{FF2B5EF4-FFF2-40B4-BE49-F238E27FC236}">
-                <a16:creationId xmlns:a16="http://schemas.microsoft.com/office/drawing/2014/main" id="{E7F7080C-AFF2-BE9C-5E98-15AAACD1988C}"/>
+                <a16:creationId xmlns:a16="http://schemas.microsoft.com/office/drawing/2014/main" id="{35A399D8-9672-A9B5-11E0-F678D5B785C2}"/>
               </a:ext>
             </a:extLst>
           </p:cNvPr>
@@ -3099,8 +3025,8 @@
         </p:blipFill>
         <p:spPr>
           <a:xfrm>
-            <a:off x="0" y="4378022"/>
-            <a:ext cx="7423349" cy="5938679"/>
+            <a:off x="8837830" y="181338"/>
+            <a:ext cx="9961298" cy="4150541"/>
           </a:xfrm>
           <a:prstGeom prst="rect">
             <a:avLst/>
@@ -3109,10 +3035,10 @@
       </p:pic>
       <p:pic>
         <p:nvPicPr>
-          <p:cNvPr id="9" name="Picture 8">
+          <p:cNvPr id="19" name="Picture 18">
             <a:extLst>
               <a:ext uri="{FF2B5EF4-FFF2-40B4-BE49-F238E27FC236}">
-                <a16:creationId xmlns:a16="http://schemas.microsoft.com/office/drawing/2014/main" id="{F412640A-327C-4AFE-6A73-B1D470CCD368}"/>
+                <a16:creationId xmlns:a16="http://schemas.microsoft.com/office/drawing/2014/main" id="{3DCFDFF8-E2C9-956B-26A8-D323ABE2764D}"/>
               </a:ext>
             </a:extLst>
           </p:cNvPr>
@@ -3129,8 +3055,8 @@
         </p:blipFill>
         <p:spPr>
           <a:xfrm>
-            <a:off x="6005513" y="0"/>
-            <a:ext cx="7315200" cy="3657600"/>
+            <a:off x="156981" y="4324181"/>
+            <a:ext cx="7708689" cy="5396082"/>
           </a:xfrm>
           <a:prstGeom prst="rect">
             <a:avLst/>
@@ -3139,10 +3065,10 @@
       </p:pic>
       <p:pic>
         <p:nvPicPr>
-          <p:cNvPr id="11" name="Picture 10">
+          <p:cNvPr id="17" name="Picture 16">
             <a:extLst>
               <a:ext uri="{FF2B5EF4-FFF2-40B4-BE49-F238E27FC236}">
-                <a16:creationId xmlns:a16="http://schemas.microsoft.com/office/drawing/2014/main" id="{F5822A95-BB64-5954-7D02-D692093D693F}"/>
+                <a16:creationId xmlns:a16="http://schemas.microsoft.com/office/drawing/2014/main" id="{1EA1E9BC-CAC2-A86C-BED1-23443E5A784C}"/>
               </a:ext>
             </a:extLst>
           </p:cNvPr>
@@ -3159,14 +3085,170 @@
         </p:blipFill>
         <p:spPr>
           <a:xfrm>
-            <a:off x="7364659" y="3992844"/>
-            <a:ext cx="5956054" cy="6806919"/>
+            <a:off x="156978" y="27512"/>
+            <a:ext cx="8688210" cy="4344105"/>
           </a:xfrm>
           <a:prstGeom prst="rect">
             <a:avLst/>
           </a:prstGeom>
         </p:spPr>
       </p:pic>
+      <p:sp>
+        <p:nvSpPr>
+          <p:cNvPr id="22" name="TextBox 21">
+            <a:extLst>
+              <a:ext uri="{FF2B5EF4-FFF2-40B4-BE49-F238E27FC236}">
+                <a16:creationId xmlns:a16="http://schemas.microsoft.com/office/drawing/2014/main" id="{2973831C-0E99-19EE-05AE-CECC4F777BF1}"/>
+              </a:ext>
+            </a:extLst>
+          </p:cNvPr>
+          <p:cNvSpPr txBox="1"/>
+          <p:nvPr/>
+        </p:nvSpPr>
+        <p:spPr>
+          <a:xfrm>
+            <a:off x="184244" y="55021"/>
+            <a:ext cx="583956" cy="507831"/>
+          </a:xfrm>
+          <a:prstGeom prst="rect">
+            <a:avLst/>
+          </a:prstGeom>
+          <a:noFill/>
+        </p:spPr>
+        <p:txBody>
+          <a:bodyPr wrap="square" rtlCol="0">
+            <a:spAutoFit/>
+          </a:bodyPr>
+          <a:lstStyle/>
+          <a:p>
+            <a:r>
+              <a:rPr lang="en-US" sz="2700" b="1" dirty="0">
+                <a:latin typeface="Arial" panose="020B0604020202020204" pitchFamily="34" charset="0"/>
+                <a:cs typeface="Arial" panose="020B0604020202020204" pitchFamily="34" charset="0"/>
+              </a:rPr>
+              <a:t>A</a:t>
+            </a:r>
+          </a:p>
+        </p:txBody>
+      </p:sp>
+      <p:sp>
+        <p:nvSpPr>
+          <p:cNvPr id="23" name="TextBox 22">
+            <a:extLst>
+              <a:ext uri="{FF2B5EF4-FFF2-40B4-BE49-F238E27FC236}">
+                <a16:creationId xmlns:a16="http://schemas.microsoft.com/office/drawing/2014/main" id="{C6A93898-2737-E5B2-18F8-7CF44177F7C6}"/>
+              </a:ext>
+            </a:extLst>
+          </p:cNvPr>
+          <p:cNvSpPr txBox="1"/>
+          <p:nvPr/>
+        </p:nvSpPr>
+        <p:spPr>
+          <a:xfrm>
+            <a:off x="8258339" y="181338"/>
+            <a:ext cx="963594" cy="507831"/>
+          </a:xfrm>
+          <a:prstGeom prst="rect">
+            <a:avLst/>
+          </a:prstGeom>
+          <a:solidFill>
+            <a:schemeClr val="bg1"/>
+          </a:solidFill>
+        </p:spPr>
+        <p:txBody>
+          <a:bodyPr wrap="square" rtlCol="0">
+            <a:spAutoFit/>
+          </a:bodyPr>
+          <a:lstStyle/>
+          <a:p>
+            <a:r>
+              <a:rPr lang="en-US" sz="2700" b="1" dirty="0">
+                <a:latin typeface="Arial" panose="020B0604020202020204" pitchFamily="34" charset="0"/>
+                <a:cs typeface="Arial" panose="020B0604020202020204" pitchFamily="34" charset="0"/>
+              </a:rPr>
+              <a:t>B</a:t>
+            </a:r>
+          </a:p>
+        </p:txBody>
+      </p:sp>
+      <p:sp>
+        <p:nvSpPr>
+          <p:cNvPr id="8" name="TextBox 7">
+            <a:extLst>
+              <a:ext uri="{FF2B5EF4-FFF2-40B4-BE49-F238E27FC236}">
+                <a16:creationId xmlns:a16="http://schemas.microsoft.com/office/drawing/2014/main" id="{5D15278A-3937-4A7A-C797-74D9DA043F56}"/>
+              </a:ext>
+            </a:extLst>
+          </p:cNvPr>
+          <p:cNvSpPr txBox="1"/>
+          <p:nvPr/>
+        </p:nvSpPr>
+        <p:spPr>
+          <a:xfrm>
+            <a:off x="286865" y="4116436"/>
+            <a:ext cx="507963" cy="507831"/>
+          </a:xfrm>
+          <a:prstGeom prst="rect">
+            <a:avLst/>
+          </a:prstGeom>
+          <a:noFill/>
+        </p:spPr>
+        <p:txBody>
+          <a:bodyPr wrap="square" rtlCol="0">
+            <a:spAutoFit/>
+          </a:bodyPr>
+          <a:lstStyle/>
+          <a:p>
+            <a:r>
+              <a:rPr lang="en-US" sz="2700" b="1" dirty="0">
+                <a:latin typeface="Arial" panose="020B0604020202020204" pitchFamily="34" charset="0"/>
+                <a:cs typeface="Arial" panose="020B0604020202020204" pitchFamily="34" charset="0"/>
+              </a:rPr>
+              <a:t>C</a:t>
+            </a:r>
+          </a:p>
+        </p:txBody>
+      </p:sp>
+      <p:sp>
+        <p:nvSpPr>
+          <p:cNvPr id="10" name="TextBox 9">
+            <a:extLst>
+              <a:ext uri="{FF2B5EF4-FFF2-40B4-BE49-F238E27FC236}">
+                <a16:creationId xmlns:a16="http://schemas.microsoft.com/office/drawing/2014/main" id="{8797B073-1863-879A-4A57-6333C9A5527C}"/>
+              </a:ext>
+            </a:extLst>
+          </p:cNvPr>
+          <p:cNvSpPr txBox="1"/>
+          <p:nvPr/>
+        </p:nvSpPr>
+        <p:spPr>
+          <a:xfrm>
+            <a:off x="7481566" y="4309459"/>
+            <a:ext cx="614810" cy="507831"/>
+          </a:xfrm>
+          <a:prstGeom prst="rect">
+            <a:avLst/>
+          </a:prstGeom>
+          <a:solidFill>
+            <a:schemeClr val="bg1"/>
+          </a:solidFill>
+        </p:spPr>
+        <p:txBody>
+          <a:bodyPr wrap="square" rtlCol="0">
+            <a:spAutoFit/>
+          </a:bodyPr>
+          <a:lstStyle/>
+          <a:p>
+            <a:r>
+              <a:rPr lang="en-US" sz="2700" b="1" dirty="0">
+                <a:latin typeface="Arial" panose="020B0604020202020204" pitchFamily="34" charset="0"/>
+                <a:cs typeface="Arial" panose="020B0604020202020204" pitchFamily="34" charset="0"/>
+              </a:rPr>
+              <a:t>D</a:t>
+            </a:r>
+          </a:p>
+        </p:txBody>
+      </p:sp>
     </p:spTree>
     <p:extLst>
       <p:ext uri="{BB962C8B-B14F-4D97-AF65-F5344CB8AC3E}">
